--- a/doc/09017224高钰铭（组员个人贡献）.pptx
+++ b/doc/09017224高钰铭（组员个人贡献）.pptx
@@ -216,7 +216,7 @@
           <a:p>
             <a:fld id="{43E30DC6-C2B8-432B-965D-816E228D2B14}" type="datetimeFigureOut">
               <a:rPr lang="zh-CN" altLang="en-US" smtClean="0"/>
-              <a:t>2020/6/7</a:t>
+              <a:t>2020/6/15</a:t>
             </a:fld>
             <a:endParaRPr lang="zh-CN" altLang="en-US"/>
           </a:p>
@@ -1054,7 +1054,7 @@
           <a:p>
             <a:fld id="{530820CF-B880-4189-942D-D702A7CBA730}" type="datetimeFigureOut">
               <a:rPr lang="zh-CN" altLang="en-US" smtClean="0"/>
-              <a:t>2020/6/7</a:t>
+              <a:t>2020/6/15</a:t>
             </a:fld>
             <a:endParaRPr lang="zh-CN" altLang="en-US"/>
           </a:p>
@@ -1217,7 +1217,7 @@
           <a:p>
             <a:fld id="{530820CF-B880-4189-942D-D702A7CBA730}" type="datetimeFigureOut">
               <a:rPr lang="zh-CN" altLang="en-US" smtClean="0"/>
-              <a:t>2020/6/7</a:t>
+              <a:t>2020/6/15</a:t>
             </a:fld>
             <a:endParaRPr lang="zh-CN" altLang="en-US"/>
           </a:p>
@@ -1390,7 +1390,7 @@
           <a:p>
             <a:fld id="{530820CF-B880-4189-942D-D702A7CBA730}" type="datetimeFigureOut">
               <a:rPr lang="zh-CN" altLang="en-US" smtClean="0"/>
-              <a:t>2020/6/7</a:t>
+              <a:t>2020/6/15</a:t>
             </a:fld>
             <a:endParaRPr lang="zh-CN" altLang="en-US"/>
           </a:p>
@@ -1553,7 +1553,7 @@
           <a:p>
             <a:fld id="{530820CF-B880-4189-942D-D702A7CBA730}" type="datetimeFigureOut">
               <a:rPr lang="zh-CN" altLang="en-US" smtClean="0"/>
-              <a:t>2020/6/7</a:t>
+              <a:t>2020/6/15</a:t>
             </a:fld>
             <a:endParaRPr lang="zh-CN" altLang="en-US"/>
           </a:p>
@@ -1793,7 +1793,7 @@
           <a:p>
             <a:fld id="{530820CF-B880-4189-942D-D702A7CBA730}" type="datetimeFigureOut">
               <a:rPr lang="zh-CN" altLang="en-US" smtClean="0"/>
-              <a:t>2020/6/7</a:t>
+              <a:t>2020/6/15</a:t>
             </a:fld>
             <a:endParaRPr lang="zh-CN" altLang="en-US"/>
           </a:p>
@@ -2073,7 +2073,7 @@
           <a:p>
             <a:fld id="{530820CF-B880-4189-942D-D702A7CBA730}" type="datetimeFigureOut">
               <a:rPr lang="zh-CN" altLang="en-US" smtClean="0"/>
-              <a:t>2020/6/7</a:t>
+              <a:t>2020/6/15</a:t>
             </a:fld>
             <a:endParaRPr lang="zh-CN" altLang="en-US"/>
           </a:p>
@@ -2487,7 +2487,7 @@
           <a:p>
             <a:fld id="{530820CF-B880-4189-942D-D702A7CBA730}" type="datetimeFigureOut">
               <a:rPr lang="zh-CN" altLang="en-US" smtClean="0"/>
-              <a:t>2020/6/7</a:t>
+              <a:t>2020/6/15</a:t>
             </a:fld>
             <a:endParaRPr lang="zh-CN" altLang="en-US"/>
           </a:p>
@@ -2599,7 +2599,7 @@
           <a:p>
             <a:fld id="{530820CF-B880-4189-942D-D702A7CBA730}" type="datetimeFigureOut">
               <a:rPr lang="zh-CN" altLang="en-US" smtClean="0"/>
-              <a:t>2020/6/7</a:t>
+              <a:t>2020/6/15</a:t>
             </a:fld>
             <a:endParaRPr lang="zh-CN" altLang="en-US"/>
           </a:p>
@@ -2689,7 +2689,7 @@
           <a:p>
             <a:fld id="{530820CF-B880-4189-942D-D702A7CBA730}" type="datetimeFigureOut">
               <a:rPr lang="zh-CN" altLang="en-US" smtClean="0"/>
-              <a:t>2020/6/7</a:t>
+              <a:t>2020/6/15</a:t>
             </a:fld>
             <a:endParaRPr lang="zh-CN" altLang="en-US"/>
           </a:p>
@@ -2959,7 +2959,7 @@
           <a:p>
             <a:fld id="{530820CF-B880-4189-942D-D702A7CBA730}" type="datetimeFigureOut">
               <a:rPr lang="zh-CN" altLang="en-US" smtClean="0"/>
-              <a:t>2020/6/7</a:t>
+              <a:t>2020/6/15</a:t>
             </a:fld>
             <a:endParaRPr lang="zh-CN" altLang="en-US"/>
           </a:p>
@@ -3206,7 +3206,7 @@
           <a:p>
             <a:fld id="{530820CF-B880-4189-942D-D702A7CBA730}" type="datetimeFigureOut">
               <a:rPr lang="zh-CN" altLang="en-US" smtClean="0"/>
-              <a:t>2020/6/7</a:t>
+              <a:t>2020/6/15</a:t>
             </a:fld>
             <a:endParaRPr lang="zh-CN" altLang="en-US"/>
           </a:p>
@@ -3412,7 +3412,7 @@
           <a:p>
             <a:fld id="{530820CF-B880-4189-942D-D702A7CBA730}" type="datetimeFigureOut">
               <a:rPr lang="zh-CN" altLang="en-US" smtClean="0"/>
-              <a:t>2020/6/7</a:t>
+              <a:t>2020/6/15</a:t>
             </a:fld>
             <a:endParaRPr lang="zh-CN" altLang="en-US"/>
           </a:p>
@@ -7098,7 +7098,7 @@
             </a:r>
             <a:r>
               <a:rPr lang="zh-CN" altLang="en-US" dirty="0"/>
-              <a:t>节所述的算法，在此不再赘述</a:t>
+              <a:t>节所述的不动点算法，在此不再赘述</a:t>
             </a:r>
           </a:p>
         </p:txBody>
@@ -7416,8 +7416,8 @@
         </p:nvSpPr>
         <p:spPr>
           <a:xfrm>
-            <a:off x="115972" y="3154042"/>
-            <a:ext cx="4681275" cy="3554079"/>
+            <a:off x="130514" y="3154043"/>
+            <a:ext cx="4574251" cy="3554079"/>
           </a:xfrm>
           <a:prstGeom prst="rect">
             <a:avLst/>
@@ -7468,7 +7468,7 @@
         </p:nvSpPr>
         <p:spPr>
           <a:xfrm>
-            <a:off x="153678" y="3229633"/>
+            <a:off x="132492" y="3244334"/>
             <a:ext cx="4605861" cy="369332"/>
           </a:xfrm>
           <a:prstGeom prst="rect">
@@ -7503,8 +7503,8 @@
         </p:nvSpPr>
         <p:spPr>
           <a:xfrm>
-            <a:off x="148393" y="3519360"/>
-            <a:ext cx="4529740" cy="2739211"/>
+            <a:off x="156266" y="3540642"/>
+            <a:ext cx="4572814" cy="3231654"/>
           </a:xfrm>
           <a:prstGeom prst="rect">
             <a:avLst/>
@@ -7520,7 +7520,7 @@
               <a:rPr lang="en-US" altLang="zh-CN" sz="1600" dirty="0">
                 <a:latin typeface="Iosevka SS01" panose="02000509000000000000" pitchFamily="49" charset="0"/>
               </a:rPr>
-              <a:t>struct </a:t>
+              <a:t>struct </a:t>
             </a:r>
             <a:r>
               <a:rPr lang="en-US" altLang="zh-CN" sz="1600" dirty="0" err="1">
@@ -7532,7 +7532,7 @@
               <a:rPr lang="en-US" altLang="zh-CN" sz="1600" dirty="0">
                 <a:latin typeface="Iosevka SS01" panose="02000509000000000000" pitchFamily="49" charset="0"/>
               </a:rPr>
-              <a:t> {</a:t>
+              <a:t> {</a:t>
             </a:r>
           </a:p>
           <a:p>
@@ -7540,7 +7540,7 @@
               <a:rPr lang="en-US" altLang="zh-CN" sz="1600" dirty="0">
                 <a:latin typeface="Iosevka SS01" panose="02000509000000000000" pitchFamily="49" charset="0"/>
               </a:rPr>
-              <a:t>    int </a:t>
+              <a:t>    int </a:t>
             </a:r>
             <a:r>
               <a:rPr lang="en-US" altLang="zh-CN" sz="1600" dirty="0" err="1">
@@ -7560,7 +7560,7 @@
               <a:rPr lang="en-US" altLang="zh-CN" sz="1600" dirty="0">
                 <a:latin typeface="Iosevka SS01" panose="02000509000000000000" pitchFamily="49" charset="0"/>
               </a:rPr>
-              <a:t>    char *name[SYMBOL_CHART_LIMIT];</a:t>
+              <a:t>    char *name[SYMBOL_CHART_LIMIT];</a:t>
             </a:r>
           </a:p>
           <a:p>
@@ -7568,7 +7568,7 @@
               <a:rPr lang="en-US" altLang="zh-CN" sz="1600" dirty="0">
                 <a:latin typeface="Iosevka SS01" panose="02000509000000000000" pitchFamily="49" charset="0"/>
               </a:rPr>
-              <a:t>    char *value[SYMBOL_CHART_LIMIT];</a:t>
+              <a:t>    char *type[SYMBOL_CHART_LIMIT];</a:t>
             </a:r>
           </a:p>
           <a:p>
@@ -7576,7 +7576,15 @@
               <a:rPr lang="en-US" altLang="zh-CN" sz="1600" dirty="0">
                 <a:latin typeface="Iosevka SS01" panose="02000509000000000000" pitchFamily="49" charset="0"/>
               </a:rPr>
-              <a:t>}</a:t>
+              <a:t>    char *value[SYMBOL_CHART_LIMIT];</a:t>
+            </a:r>
+          </a:p>
+          <a:p>
+            <a:r>
+              <a:rPr lang="en-US" altLang="zh-CN" sz="1600" dirty="0">
+                <a:latin typeface="Iosevka SS01" panose="02000509000000000000" pitchFamily="49" charset="0"/>
+              </a:rPr>
+              <a:t>  }</a:t>
             </a:r>
             <a:r>
               <a:rPr lang="en-US" altLang="zh-CN" sz="1600" dirty="0" err="1">
@@ -7584,9 +7592,24 @@
               </a:rPr>
               <a:t>symbolChart</a:t>
             </a:r>
-            <a:endParaRPr lang="en-US" altLang="zh-CN" sz="1600" dirty="0">
-              <a:latin typeface="Iosevka SS01" panose="02000509000000000000" pitchFamily="49" charset="0"/>
-            </a:endParaRPr>
+            <a:r>
+              <a:rPr lang="en-US" altLang="zh-CN" sz="1600" dirty="0">
+                <a:latin typeface="Iosevka SS01" panose="02000509000000000000" pitchFamily="49" charset="0"/>
+              </a:rPr>
+              <a:t> = {.</a:t>
+            </a:r>
+            <a:r>
+              <a:rPr lang="en-US" altLang="zh-CN" sz="1600" dirty="0" err="1">
+                <a:latin typeface="Iosevka SS01" panose="02000509000000000000" pitchFamily="49" charset="0"/>
+              </a:rPr>
+              <a:t>symbolNum</a:t>
+            </a:r>
+            <a:r>
+              <a:rPr lang="en-US" altLang="zh-CN" sz="1600" dirty="0">
+                <a:latin typeface="Iosevka SS01" panose="02000509000000000000" pitchFamily="49" charset="0"/>
+              </a:rPr>
+              <a:t> = 0};</a:t>
+            </a:r>
           </a:p>
           <a:p>
             <a:r>
@@ -7606,14 +7629,8 @@
                   <a:srgbClr val="FF0000"/>
                 </a:solidFill>
               </a:rPr>
-              <a:t>char *variable(char *name)</a:t>
-            </a:r>
-            <a:endParaRPr lang="en-US" altLang="zh-CN" dirty="0">
-              <a:solidFill>
-                <a:srgbClr val="FF0000"/>
-              </a:solidFill>
-              <a:latin typeface="Iosevka SS01" panose="02000509000000000000" pitchFamily="49" charset="0"/>
-            </a:endParaRPr>
+              <a:t>char *value(char *name, char *type)</a:t>
+            </a:r>
           </a:p>
           <a:p>
             <a:r>
@@ -7622,7 +7639,7 @@
                   <a:srgbClr val="FF0000"/>
                 </a:solidFill>
               </a:rPr>
-              <a:t>void </a:t>
+              <a:t>void </a:t>
             </a:r>
             <a:r>
               <a:rPr lang="en-US" altLang="zh-CN" dirty="0" err="1">
@@ -7630,7 +7647,7 @@
                   <a:srgbClr val="FF0000"/>
                 </a:solidFill>
               </a:rPr>
-              <a:t>createVariable</a:t>
+              <a:t>createSymbol</a:t>
             </a:r>
             <a:r>
               <a:rPr lang="en-US" altLang="zh-CN" dirty="0">
@@ -7638,13 +7655,23 @@
                   <a:srgbClr val="FF0000"/>
                 </a:solidFill>
               </a:rPr>
-              <a:t>(char *name, char *value)</a:t>
+              <a:t>(char *name, char *type, </a:t>
+            </a:r>
+          </a:p>
+          <a:p>
+            <a:r>
+              <a:rPr lang="en-US" altLang="zh-CN" dirty="0">
+                <a:solidFill>
+                  <a:srgbClr val="FF0000"/>
+                </a:solidFill>
+              </a:rPr>
+              <a:t>int size)</a:t>
             </a:r>
           </a:p>
           <a:p>
             <a:r>
               <a:rPr lang="zh-CN" altLang="en-US" dirty="0"/>
-              <a:t>记录各变量的值，可以为后续中间代码生成打下基础</a:t>
+              <a:t>记录各符号的信息，可以为后续中间代码生成打下基础</a:t>
             </a:r>
             <a:endParaRPr lang="en-US" altLang="zh-CN" dirty="0"/>
           </a:p>
@@ -7863,9 +7890,9 @@
         <p:grpSpPr>
           <a:xfrm>
             <a:off x="8801378" y="3155356"/>
-            <a:ext cx="4918671" cy="3558016"/>
+            <a:ext cx="4918671" cy="3605439"/>
             <a:chOff x="6717309" y="2375440"/>
-            <a:chExt cx="4918671" cy="3558016"/>
+            <a:chExt cx="4918671" cy="3605439"/>
           </a:xfrm>
         </p:grpSpPr>
         <p:sp>
@@ -7970,7 +7997,7 @@
           <p:spPr>
             <a:xfrm>
               <a:off x="6776981" y="2841558"/>
-              <a:ext cx="3326214" cy="2585323"/>
+              <a:ext cx="3326214" cy="3139321"/>
             </a:xfrm>
             <a:prstGeom prst="rect">
               <a:avLst/>
@@ -7985,23 +8012,26 @@
             <a:p>
               <a:r>
                 <a:rPr lang="zh-CN" altLang="en-US" dirty="0"/>
-                <a:t>通过在推导过程中边走边存，即可记录语法树结构</a:t>
+                <a:t>通过在推导过程中边走边存，存储有关文法符号机及其语义值的信息，即可记录语法树结构</a:t>
               </a:r>
-              <a:endParaRPr lang="en-US" altLang="zh-CN" dirty="0"/>
-            </a:p>
-            <a:p>
               <a:endParaRPr lang="en-US" altLang="zh-CN" dirty="0"/>
             </a:p>
             <a:p>
               <a:r>
                 <a:rPr lang="en-US" altLang="zh-CN" dirty="0"/>
-                <a:t>struct Node {</a:t>
+                <a:t> struct Node {</a:t>
               </a:r>
             </a:p>
             <a:p>
               <a:r>
                 <a:rPr lang="en-US" altLang="zh-CN" dirty="0"/>
-                <a:t>    char *</a:t>
+                <a:t>    char *value;</a:t>
+              </a:r>
+            </a:p>
+            <a:p>
+              <a:r>
+                <a:rPr lang="en-US" altLang="zh-CN" dirty="0"/>
+                <a:t>    char *</a:t>
               </a:r>
               <a:r>
                 <a:rPr lang="en-US" altLang="zh-CN" dirty="0" err="1"/>
@@ -8015,13 +8045,13 @@
             <a:p>
               <a:r>
                 <a:rPr lang="en-US" altLang="zh-CN" dirty="0"/>
-                <a:t>    struct Node *children [SYMBOL_CHART_LIMIT];</a:t>
+                <a:t>    struct Node *children[SYMBOL_CHART_LIMIT];</a:t>
               </a:r>
             </a:p>
             <a:p>
               <a:r>
                 <a:rPr lang="en-US" altLang="zh-CN" dirty="0"/>
-                <a:t>    int </a:t>
+                <a:t>    int </a:t>
               </a:r>
               <a:r>
                 <a:rPr lang="en-US" altLang="zh-CN" dirty="0" err="1"/>
@@ -8035,9 +8065,8 @@
             <a:p>
               <a:r>
                 <a:rPr lang="en-US" altLang="zh-CN" dirty="0"/>
-                <a:t>  }</a:t>
+                <a:t>  }</a:t>
               </a:r>
-              <a:endParaRPr lang="zh-CN" altLang="en-US" dirty="0"/>
             </a:p>
           </p:txBody>
         </p:sp>
